--- a/notes/dynamicwebandservlets.pptx
+++ b/notes/dynamicwebandservlets.pptx
@@ -8,7 +8,7 @@
     <p:sldMasterId id="2147483669" r:id="rId4"/>
   </p:sldMasterIdLst>
   <p:notesMasterIdLst>
-    <p:notesMasterId r:id="rId19"/>
+    <p:notesMasterId r:id="rId22"/>
   </p:notesMasterIdLst>
   <p:sldIdLst>
     <p:sldId id="256" r:id="rId5"/>
@@ -25,6 +25,9 @@
     <p:sldId id="268" r:id="rId16"/>
     <p:sldId id="269" r:id="rId17"/>
     <p:sldId id="270" r:id="rId18"/>
+    <p:sldId id="273" r:id="rId19"/>
+    <p:sldId id="274" r:id="rId20"/>
+    <p:sldId id="275" r:id="rId21"/>
   </p:sldIdLst>
   <p:sldSz cx="9144000" cy="5143500" type="screen16x9"/>
   <p:notesSz cx="7620000" cy="10160000"/>
@@ -1130,6 +1133,339 @@
       <p:sp>
         <p:nvSpPr>
           <p:cNvPr id="158" name="Shape 158"/>
+          <p:cNvSpPr txBox="1">
+            <a:spLocks noGrp="1"/>
+          </p:cNvSpPr>
+          <p:nvPr>
+            <p:ph type="body" idx="1"/>
+          </p:nvPr>
+        </p:nvSpPr>
+        <p:spPr>
+          <a:xfrm>
+            <a:off x="762000" y="4826000"/>
+            <a:ext cx="6096000" cy="4572000"/>
+          </a:xfrm>
+          <a:prstGeom prst="rect">
+            <a:avLst/>
+          </a:prstGeom>
+        </p:spPr>
+        <p:txBody>
+          <a:bodyPr lIns="91425" tIns="91425" rIns="91425" bIns="91425" anchor="t" anchorCtr="0">
+            <a:noAutofit/>
+          </a:bodyPr>
+          <a:lstStyle/>
+          <a:p>
+            <a:pPr>
+              <a:spcBef>
+                <a:spcPts val="0"/>
+              </a:spcBef>
+              <a:buNone/>
+            </a:pPr>
+            <a:endParaRPr sz="1466"/>
+          </a:p>
+        </p:txBody>
+      </p:sp>
+    </p:spTree>
+  </p:cSld>
+  <p:clrMapOvr>
+    <a:masterClrMapping/>
+  </p:clrMapOvr>
+</p:notes>
+</file>
+
+<file path=ppt/notesSlides/notesSlide15.xml><?xml version="1.0" encoding="utf-8"?>
+<p:notes xmlns:a="http://schemas.openxmlformats.org/drawingml/2006/main" xmlns:r="http://schemas.openxmlformats.org/officeDocument/2006/relationships" xmlns:p="http://schemas.openxmlformats.org/presentationml/2006/main" showMasterSp="0" showMasterPhAnim="0">
+  <p:cSld>
+    <p:spTree>
+      <p:nvGrpSpPr>
+        <p:cNvPr id="1" name="Shape 166"/>
+        <p:cNvGrpSpPr/>
+        <p:nvPr/>
+      </p:nvGrpSpPr>
+      <p:grpSpPr>
+        <a:xfrm>
+          <a:off x="0" y="0"/>
+          <a:ext cx="0" cy="0"/>
+          <a:chOff x="0" y="0"/>
+          <a:chExt cx="0" cy="0"/>
+        </a:xfrm>
+      </p:grpSpPr>
+      <p:sp>
+        <p:nvSpPr>
+          <p:cNvPr id="167" name="Shape 167"/>
+          <p:cNvSpPr>
+            <a:spLocks noGrp="1" noRot="1" noChangeAspect="1"/>
+          </p:cNvSpPr>
+          <p:nvPr>
+            <p:ph type="sldImg" idx="2"/>
+          </p:nvPr>
+        </p:nvSpPr>
+        <p:spPr>
+          <a:xfrm>
+            <a:off x="423863" y="762000"/>
+            <a:ext cx="6772275" cy="3810000"/>
+          </a:xfrm>
+          <a:custGeom>
+            <a:avLst/>
+            <a:gdLst/>
+            <a:ahLst/>
+            <a:cxnLst/>
+            <a:rect l="0" t="0" r="0" b="0"/>
+            <a:pathLst>
+              <a:path w="120000" h="120000" extrusionOk="0">
+                <a:moveTo>
+                  <a:pt x="0" y="0"/>
+                </a:moveTo>
+                <a:lnTo>
+                  <a:pt x="120000" y="0"/>
+                </a:lnTo>
+                <a:lnTo>
+                  <a:pt x="120000" y="120000"/>
+                </a:lnTo>
+                <a:lnTo>
+                  <a:pt x="0" y="120000"/>
+                </a:lnTo>
+                <a:close/>
+              </a:path>
+            </a:pathLst>
+          </a:custGeom>
+          <a:noFill/>
+          <a:ln w="9525" cap="flat">
+            <a:solidFill>
+              <a:srgbClr val="000000"/>
+            </a:solidFill>
+            <a:prstDash val="solid"/>
+            <a:round/>
+            <a:headEnd type="none" w="med" len="med"/>
+            <a:tailEnd type="none" w="med" len="med"/>
+          </a:ln>
+        </p:spPr>
+      </p:sp>
+      <p:sp>
+        <p:nvSpPr>
+          <p:cNvPr id="168" name="Shape 168"/>
+          <p:cNvSpPr txBox="1">
+            <a:spLocks noGrp="1"/>
+          </p:cNvSpPr>
+          <p:nvPr>
+            <p:ph type="body" idx="1"/>
+          </p:nvPr>
+        </p:nvSpPr>
+        <p:spPr>
+          <a:xfrm>
+            <a:off x="762000" y="4826000"/>
+            <a:ext cx="6096000" cy="4572000"/>
+          </a:xfrm>
+          <a:prstGeom prst="rect">
+            <a:avLst/>
+          </a:prstGeom>
+        </p:spPr>
+        <p:txBody>
+          <a:bodyPr lIns="91425" tIns="91425" rIns="91425" bIns="91425" anchor="t" anchorCtr="0">
+            <a:noAutofit/>
+          </a:bodyPr>
+          <a:lstStyle/>
+          <a:p>
+            <a:pPr>
+              <a:spcBef>
+                <a:spcPts val="0"/>
+              </a:spcBef>
+              <a:buNone/>
+            </a:pPr>
+            <a:endParaRPr sz="1466"/>
+          </a:p>
+        </p:txBody>
+      </p:sp>
+    </p:spTree>
+  </p:cSld>
+  <p:clrMapOvr>
+    <a:masterClrMapping/>
+  </p:clrMapOvr>
+</p:notes>
+</file>
+
+<file path=ppt/notesSlides/notesSlide16.xml><?xml version="1.0" encoding="utf-8"?>
+<p:notes xmlns:a="http://schemas.openxmlformats.org/drawingml/2006/main" xmlns:r="http://schemas.openxmlformats.org/officeDocument/2006/relationships" xmlns:p="http://schemas.openxmlformats.org/presentationml/2006/main" showMasterSp="0" showMasterPhAnim="0">
+  <p:cSld>
+    <p:spTree>
+      <p:nvGrpSpPr>
+        <p:cNvPr id="1" name="Shape 172"/>
+        <p:cNvGrpSpPr/>
+        <p:nvPr/>
+      </p:nvGrpSpPr>
+      <p:grpSpPr>
+        <a:xfrm>
+          <a:off x="0" y="0"/>
+          <a:ext cx="0" cy="0"/>
+          <a:chOff x="0" y="0"/>
+          <a:chExt cx="0" cy="0"/>
+        </a:xfrm>
+      </p:grpSpPr>
+      <p:sp>
+        <p:nvSpPr>
+          <p:cNvPr id="173" name="Shape 173"/>
+          <p:cNvSpPr>
+            <a:spLocks noGrp="1" noRot="1" noChangeAspect="1"/>
+          </p:cNvSpPr>
+          <p:nvPr>
+            <p:ph type="sldImg" idx="2"/>
+          </p:nvPr>
+        </p:nvSpPr>
+        <p:spPr>
+          <a:xfrm>
+            <a:off x="423863" y="762000"/>
+            <a:ext cx="6772275" cy="3810000"/>
+          </a:xfrm>
+          <a:custGeom>
+            <a:avLst/>
+            <a:gdLst/>
+            <a:ahLst/>
+            <a:cxnLst/>
+            <a:rect l="0" t="0" r="0" b="0"/>
+            <a:pathLst>
+              <a:path w="120000" h="120000" extrusionOk="0">
+                <a:moveTo>
+                  <a:pt x="0" y="0"/>
+                </a:moveTo>
+                <a:lnTo>
+                  <a:pt x="120000" y="0"/>
+                </a:lnTo>
+                <a:lnTo>
+                  <a:pt x="120000" y="120000"/>
+                </a:lnTo>
+                <a:lnTo>
+                  <a:pt x="0" y="120000"/>
+                </a:lnTo>
+                <a:close/>
+              </a:path>
+            </a:pathLst>
+          </a:custGeom>
+          <a:noFill/>
+          <a:ln w="9525" cap="flat">
+            <a:solidFill>
+              <a:srgbClr val="000000"/>
+            </a:solidFill>
+            <a:prstDash val="solid"/>
+            <a:round/>
+            <a:headEnd type="none" w="med" len="med"/>
+            <a:tailEnd type="none" w="med" len="med"/>
+          </a:ln>
+        </p:spPr>
+      </p:sp>
+      <p:sp>
+        <p:nvSpPr>
+          <p:cNvPr id="174" name="Shape 174"/>
+          <p:cNvSpPr txBox="1">
+            <a:spLocks noGrp="1"/>
+          </p:cNvSpPr>
+          <p:nvPr>
+            <p:ph type="body" idx="1"/>
+          </p:nvPr>
+        </p:nvSpPr>
+        <p:spPr>
+          <a:xfrm>
+            <a:off x="762000" y="4826000"/>
+            <a:ext cx="6096000" cy="4572000"/>
+          </a:xfrm>
+          <a:prstGeom prst="rect">
+            <a:avLst/>
+          </a:prstGeom>
+        </p:spPr>
+        <p:txBody>
+          <a:bodyPr lIns="91425" tIns="91425" rIns="91425" bIns="91425" anchor="t" anchorCtr="0">
+            <a:noAutofit/>
+          </a:bodyPr>
+          <a:lstStyle/>
+          <a:p>
+            <a:pPr>
+              <a:spcBef>
+                <a:spcPts val="0"/>
+              </a:spcBef>
+              <a:buNone/>
+            </a:pPr>
+            <a:endParaRPr sz="1466"/>
+          </a:p>
+        </p:txBody>
+      </p:sp>
+    </p:spTree>
+  </p:cSld>
+  <p:clrMapOvr>
+    <a:masterClrMapping/>
+  </p:clrMapOvr>
+</p:notes>
+</file>
+
+<file path=ppt/notesSlides/notesSlide17.xml><?xml version="1.0" encoding="utf-8"?>
+<p:notes xmlns:a="http://schemas.openxmlformats.org/drawingml/2006/main" xmlns:r="http://schemas.openxmlformats.org/officeDocument/2006/relationships" xmlns:p="http://schemas.openxmlformats.org/presentationml/2006/main" showMasterSp="0" showMasterPhAnim="0">
+  <p:cSld>
+    <p:spTree>
+      <p:nvGrpSpPr>
+        <p:cNvPr id="1" name="Shape 178"/>
+        <p:cNvGrpSpPr/>
+        <p:nvPr/>
+      </p:nvGrpSpPr>
+      <p:grpSpPr>
+        <a:xfrm>
+          <a:off x="0" y="0"/>
+          <a:ext cx="0" cy="0"/>
+          <a:chOff x="0" y="0"/>
+          <a:chExt cx="0" cy="0"/>
+        </a:xfrm>
+      </p:grpSpPr>
+      <p:sp>
+        <p:nvSpPr>
+          <p:cNvPr id="179" name="Shape 179"/>
+          <p:cNvSpPr>
+            <a:spLocks noGrp="1" noRot="1" noChangeAspect="1"/>
+          </p:cNvSpPr>
+          <p:nvPr>
+            <p:ph type="sldImg" idx="2"/>
+          </p:nvPr>
+        </p:nvSpPr>
+        <p:spPr>
+          <a:xfrm>
+            <a:off x="423863" y="762000"/>
+            <a:ext cx="6772275" cy="3810000"/>
+          </a:xfrm>
+          <a:custGeom>
+            <a:avLst/>
+            <a:gdLst/>
+            <a:ahLst/>
+            <a:cxnLst/>
+            <a:rect l="0" t="0" r="0" b="0"/>
+            <a:pathLst>
+              <a:path w="120000" h="120000" extrusionOk="0">
+                <a:moveTo>
+                  <a:pt x="0" y="0"/>
+                </a:moveTo>
+                <a:lnTo>
+                  <a:pt x="120000" y="0"/>
+                </a:lnTo>
+                <a:lnTo>
+                  <a:pt x="120000" y="120000"/>
+                </a:lnTo>
+                <a:lnTo>
+                  <a:pt x="0" y="120000"/>
+                </a:lnTo>
+                <a:close/>
+              </a:path>
+            </a:pathLst>
+          </a:custGeom>
+          <a:noFill/>
+          <a:ln w="9525" cap="flat">
+            <a:solidFill>
+              <a:srgbClr val="000000"/>
+            </a:solidFill>
+            <a:prstDash val="solid"/>
+            <a:round/>
+            <a:headEnd type="none" w="med" len="med"/>
+            <a:tailEnd type="none" w="med" len="med"/>
+          </a:ln>
+        </p:spPr>
+      </p:sp>
+      <p:sp>
+        <p:nvSpPr>
+          <p:cNvPr id="180" name="Shape 180"/>
           <p:cNvSpPr txBox="1">
             <a:spLocks noGrp="1"/>
           </p:cNvSpPr>
@@ -7432,6 +7768,1110 @@
         </p:txBody>
       </p:sp>
     </p:spTree>
+  </p:cSld>
+  <p:clrMapOvr>
+    <a:masterClrMapping/>
+  </p:clrMapOvr>
+  <p:transition xmlns:p14="http://schemas.microsoft.com/office/powerpoint/2010/main" spd="slow">
+    <p:cut/>
+  </p:transition>
+</p:sld>
+</file>
+
+<file path=ppt/slides/slide15.xml><?xml version="1.0" encoding="utf-8"?>
+<p:sld xmlns:a="http://schemas.openxmlformats.org/drawingml/2006/main" xmlns:r="http://schemas.openxmlformats.org/officeDocument/2006/relationships" xmlns:p="http://schemas.openxmlformats.org/presentationml/2006/main">
+  <p:cSld>
+    <p:spTree>
+      <p:nvGrpSpPr>
+        <p:cNvPr id="1" name="Shape 151"/>
+        <p:cNvGrpSpPr/>
+        <p:nvPr/>
+      </p:nvGrpSpPr>
+      <p:grpSpPr>
+        <a:xfrm>
+          <a:off x="0" y="0"/>
+          <a:ext cx="0" cy="0"/>
+          <a:chOff x="0" y="0"/>
+          <a:chExt cx="0" cy="0"/>
+        </a:xfrm>
+      </p:grpSpPr>
+      <p:sp>
+        <p:nvSpPr>
+          <p:cNvPr id="152" name="Shape 152"/>
+          <p:cNvSpPr txBox="1">
+            <a:spLocks noGrp="1"/>
+          </p:cNvSpPr>
+          <p:nvPr>
+            <p:ph type="title"/>
+          </p:nvPr>
+        </p:nvSpPr>
+        <p:spPr>
+          <a:xfrm>
+            <a:off x="274322" y="205741"/>
+            <a:ext cx="8663939" cy="668654"/>
+          </a:xfrm>
+          <a:prstGeom prst="rect">
+            <a:avLst/>
+          </a:prstGeom>
+        </p:spPr>
+        <p:txBody>
+          <a:bodyPr lIns="30613" tIns="30613" rIns="30613" bIns="30613" anchor="t" anchorCtr="0">
+            <a:noAutofit/>
+          </a:bodyPr>
+          <a:lstStyle/>
+          <a:p>
+            <a:pPr>
+              <a:lnSpc>
+                <a:spcPct val="100000"/>
+              </a:lnSpc>
+            </a:pPr>
+            <a:r>
+              <a:rPr lang="en-US">
+                <a:solidFill>
+                  <a:srgbClr val="000000"/>
+                </a:solidFill>
+                <a:ea typeface="Arial"/>
+                <a:sym typeface="Arial"/>
+              </a:rPr>
+              <a:t>3-tier Architecture</a:t>
+            </a:r>
+          </a:p>
+        </p:txBody>
+      </p:sp>
+      <p:grpSp>
+        <p:nvGrpSpPr>
+          <p:cNvPr id="153" name="Shape 153"/>
+          <p:cNvGrpSpPr/>
+          <p:nvPr/>
+        </p:nvGrpSpPr>
+        <p:grpSpPr>
+          <a:xfrm>
+            <a:off x="202883" y="1217547"/>
+            <a:ext cx="8643917" cy="2839638"/>
+            <a:chOff x="152400" y="1752600"/>
+            <a:chExt cx="9220200" cy="4038600"/>
+          </a:xfrm>
+        </p:grpSpPr>
+        <p:sp>
+          <p:nvSpPr>
+            <p:cNvPr id="154" name="Shape 154"/>
+            <p:cNvSpPr/>
+            <p:nvPr/>
+          </p:nvSpPr>
+          <p:spPr>
+            <a:xfrm>
+              <a:off x="7086600" y="2362200"/>
+              <a:ext cx="2286000" cy="2057400"/>
+            </a:xfrm>
+            <a:prstGeom prst="can">
+              <a:avLst>
+                <a:gd name="adj" fmla="val 25000"/>
+              </a:avLst>
+            </a:prstGeom>
+            <a:solidFill>
+              <a:srgbClr val="CFE2F3"/>
+            </a:solidFill>
+            <a:ln w="19050" cap="flat">
+              <a:solidFill>
+                <a:srgbClr val="073763"/>
+              </a:solidFill>
+              <a:prstDash val="solid"/>
+              <a:round/>
+              <a:headEnd type="none" w="med" len="med"/>
+              <a:tailEnd type="none" w="med" len="med"/>
+            </a:ln>
+          </p:spPr>
+          <p:txBody>
+            <a:bodyPr lIns="91425" tIns="91425" rIns="91425" bIns="91425" anchor="ctr" anchorCtr="0">
+              <a:noAutofit/>
+            </a:bodyPr>
+            <a:lstStyle/>
+            <a:p>
+              <a:pPr algn="ctr"/>
+              <a:r>
+                <a:rPr lang="en-US" sz="1200"/>
+                <a:t>Data</a:t>
+              </a:r>
+            </a:p>
+          </p:txBody>
+        </p:sp>
+        <p:sp>
+          <p:nvSpPr>
+            <p:cNvPr id="155" name="Shape 155"/>
+            <p:cNvSpPr/>
+            <p:nvPr/>
+          </p:nvSpPr>
+          <p:spPr>
+            <a:xfrm>
+              <a:off x="4419600" y="1981200"/>
+              <a:ext cx="1981199" cy="2819400"/>
+            </a:xfrm>
+            <a:prstGeom prst="rect">
+              <a:avLst/>
+            </a:prstGeom>
+            <a:solidFill>
+              <a:srgbClr val="CFE2F3"/>
+            </a:solidFill>
+            <a:ln w="19050" cap="flat">
+              <a:solidFill>
+                <a:srgbClr val="073763"/>
+              </a:solidFill>
+              <a:prstDash val="solid"/>
+              <a:round/>
+              <a:headEnd type="none" w="med" len="med"/>
+              <a:tailEnd type="none" w="med" len="med"/>
+            </a:ln>
+          </p:spPr>
+          <p:txBody>
+            <a:bodyPr lIns="91425" tIns="91425" rIns="91425" bIns="91425" anchor="ctr" anchorCtr="0">
+              <a:noAutofit/>
+            </a:bodyPr>
+            <a:lstStyle/>
+            <a:p>
+              <a:pPr algn="ctr"/>
+              <a:r>
+                <a:rPr lang="en-US" sz="1200"/>
+                <a:t>Logic</a:t>
+              </a:r>
+            </a:p>
+          </p:txBody>
+        </p:sp>
+        <p:sp>
+          <p:nvSpPr>
+            <p:cNvPr id="156" name="Shape 156"/>
+            <p:cNvSpPr txBox="1"/>
+            <p:nvPr/>
+          </p:nvSpPr>
+          <p:spPr>
+            <a:xfrm>
+              <a:off x="1143000" y="1752600"/>
+              <a:ext cx="2133599" cy="3048000"/>
+            </a:xfrm>
+            <a:prstGeom prst="rect">
+              <a:avLst/>
+            </a:prstGeom>
+            <a:noFill/>
+            <a:ln>
+              <a:noFill/>
+            </a:ln>
+          </p:spPr>
+          <p:txBody>
+            <a:bodyPr lIns="91425" tIns="91425" rIns="91425" bIns="91425" anchor="ctr" anchorCtr="0">
+              <a:noAutofit/>
+            </a:bodyPr>
+            <a:lstStyle/>
+            <a:p>
+              <a:endParaRPr/>
+            </a:p>
+          </p:txBody>
+        </p:sp>
+        <p:sp>
+          <p:nvSpPr>
+            <p:cNvPr id="157" name="Shape 157"/>
+            <p:cNvSpPr/>
+            <p:nvPr/>
+          </p:nvSpPr>
+          <p:spPr>
+            <a:xfrm>
+              <a:off x="1752600" y="1981200"/>
+              <a:ext cx="1981199" cy="2819400"/>
+            </a:xfrm>
+            <a:prstGeom prst="rect">
+              <a:avLst/>
+            </a:prstGeom>
+            <a:solidFill>
+              <a:srgbClr val="CFE2F3"/>
+            </a:solidFill>
+            <a:ln w="19050" cap="flat">
+              <a:solidFill>
+                <a:srgbClr val="073763"/>
+              </a:solidFill>
+              <a:prstDash val="solid"/>
+              <a:round/>
+              <a:headEnd type="none" w="med" len="med"/>
+              <a:tailEnd type="none" w="med" len="med"/>
+            </a:ln>
+          </p:spPr>
+          <p:txBody>
+            <a:bodyPr lIns="91425" tIns="91425" rIns="91425" bIns="91425" anchor="ctr" anchorCtr="0">
+              <a:noAutofit/>
+            </a:bodyPr>
+            <a:lstStyle/>
+            <a:p>
+              <a:pPr algn="ctr"/>
+              <a:r>
+                <a:rPr lang="en-US" sz="1200"/>
+                <a:t>Presentation</a:t>
+              </a:r>
+            </a:p>
+          </p:txBody>
+        </p:sp>
+        <p:sp>
+          <p:nvSpPr>
+            <p:cNvPr id="158" name="Shape 158"/>
+            <p:cNvSpPr/>
+            <p:nvPr/>
+          </p:nvSpPr>
+          <p:spPr>
+            <a:xfrm>
+              <a:off x="228600" y="3733800"/>
+              <a:ext cx="1447800" cy="0"/>
+            </a:xfrm>
+            <a:prstGeom prst="straightConnector1">
+              <a:avLst/>
+            </a:prstGeom>
+            <a:noFill/>
+            <a:ln w="19050" cap="flat">
+              <a:solidFill>
+                <a:srgbClr val="073763"/>
+              </a:solidFill>
+              <a:prstDash val="solid"/>
+              <a:round/>
+              <a:headEnd type="none" w="lg" len="lg"/>
+              <a:tailEnd type="triangle" w="lg" len="lg"/>
+            </a:ln>
+          </p:spPr>
+        </p:sp>
+        <p:sp>
+          <p:nvSpPr>
+            <p:cNvPr id="159" name="Shape 159"/>
+            <p:cNvSpPr txBox="1"/>
+            <p:nvPr/>
+          </p:nvSpPr>
+          <p:spPr>
+            <a:xfrm>
+              <a:off x="152400" y="3886200"/>
+              <a:ext cx="1371599" cy="457200"/>
+            </a:xfrm>
+            <a:prstGeom prst="rect">
+              <a:avLst/>
+            </a:prstGeom>
+            <a:noFill/>
+            <a:ln>
+              <a:noFill/>
+            </a:ln>
+          </p:spPr>
+          <p:txBody>
+            <a:bodyPr lIns="91425" tIns="91425" rIns="91425" bIns="91425" anchor="ctr" anchorCtr="0">
+              <a:noAutofit/>
+            </a:bodyPr>
+            <a:lstStyle/>
+            <a:p>
+              <a:pPr algn="ctr"/>
+              <a:r>
+                <a:rPr lang="en-US" sz="1200"/>
+                <a:t>Incoming Requests</a:t>
+              </a:r>
+            </a:p>
+          </p:txBody>
+        </p:sp>
+        <p:sp>
+          <p:nvSpPr>
+            <p:cNvPr id="160" name="Shape 160"/>
+            <p:cNvSpPr txBox="1"/>
+            <p:nvPr/>
+          </p:nvSpPr>
+          <p:spPr>
+            <a:xfrm>
+              <a:off x="2057400" y="5334000"/>
+              <a:ext cx="1371599" cy="457200"/>
+            </a:xfrm>
+            <a:prstGeom prst="rect">
+              <a:avLst/>
+            </a:prstGeom>
+            <a:noFill/>
+            <a:ln>
+              <a:noFill/>
+            </a:ln>
+          </p:spPr>
+          <p:txBody>
+            <a:bodyPr lIns="91425" tIns="91425" rIns="91425" bIns="91425" anchor="ctr" anchorCtr="0">
+              <a:noAutofit/>
+            </a:bodyPr>
+            <a:lstStyle/>
+            <a:p>
+              <a:pPr algn="ctr"/>
+              <a:r>
+                <a:rPr lang="en-US" sz="1200"/>
+                <a:t>Generate HTML</a:t>
+              </a:r>
+            </a:p>
+          </p:txBody>
+        </p:sp>
+        <p:sp>
+          <p:nvSpPr>
+            <p:cNvPr id="161" name="Shape 161"/>
+            <p:cNvSpPr txBox="1"/>
+            <p:nvPr/>
+          </p:nvSpPr>
+          <p:spPr>
+            <a:xfrm>
+              <a:off x="4419600" y="5257800"/>
+              <a:ext cx="1371599" cy="457200"/>
+            </a:xfrm>
+            <a:prstGeom prst="rect">
+              <a:avLst/>
+            </a:prstGeom>
+            <a:noFill/>
+            <a:ln>
+              <a:noFill/>
+            </a:ln>
+          </p:spPr>
+          <p:txBody>
+            <a:bodyPr lIns="91425" tIns="91425" rIns="91425" bIns="91425" anchor="ctr" anchorCtr="0">
+              <a:noAutofit/>
+            </a:bodyPr>
+            <a:lstStyle/>
+            <a:p>
+              <a:endParaRPr/>
+            </a:p>
+          </p:txBody>
+        </p:sp>
+        <p:sp>
+          <p:nvSpPr>
+            <p:cNvPr id="162" name="Shape 162"/>
+            <p:cNvSpPr txBox="1"/>
+            <p:nvPr/>
+          </p:nvSpPr>
+          <p:spPr>
+            <a:xfrm>
+              <a:off x="4648200" y="5334000"/>
+              <a:ext cx="1371599" cy="457200"/>
+            </a:xfrm>
+            <a:prstGeom prst="rect">
+              <a:avLst/>
+            </a:prstGeom>
+            <a:noFill/>
+            <a:ln>
+              <a:noFill/>
+            </a:ln>
+          </p:spPr>
+          <p:txBody>
+            <a:bodyPr lIns="91425" tIns="91425" rIns="91425" bIns="91425" anchor="ctr" anchorCtr="0">
+              <a:noAutofit/>
+            </a:bodyPr>
+            <a:lstStyle/>
+            <a:p>
+              <a:pPr algn="ctr"/>
+              <a:r>
+                <a:rPr lang="en-US" sz="1200"/>
+                <a:t>Perform Calculations</a:t>
+              </a:r>
+              <a:br>
+                <a:rPr lang="en-US" sz="1200"/>
+              </a:br>
+              <a:r>
+                <a:rPr lang="en-US" sz="1200"/>
+                <a:t>Make Decisions</a:t>
+              </a:r>
+            </a:p>
+          </p:txBody>
+        </p:sp>
+        <p:sp>
+          <p:nvSpPr>
+            <p:cNvPr id="163" name="Shape 163"/>
+            <p:cNvSpPr txBox="1"/>
+            <p:nvPr/>
+          </p:nvSpPr>
+          <p:spPr>
+            <a:xfrm>
+              <a:off x="7620000" y="4876800"/>
+              <a:ext cx="1371599" cy="457200"/>
+            </a:xfrm>
+            <a:prstGeom prst="rect">
+              <a:avLst/>
+            </a:prstGeom>
+            <a:noFill/>
+            <a:ln>
+              <a:noFill/>
+            </a:ln>
+          </p:spPr>
+          <p:txBody>
+            <a:bodyPr lIns="91425" tIns="91425" rIns="91425" bIns="91425" anchor="ctr" anchorCtr="0">
+              <a:noAutofit/>
+            </a:bodyPr>
+            <a:lstStyle/>
+            <a:p>
+              <a:pPr algn="ctr"/>
+              <a:r>
+                <a:rPr lang="en-US" sz="1200"/>
+                <a:t>Store Data</a:t>
+              </a:r>
+            </a:p>
+          </p:txBody>
+        </p:sp>
+        <p:sp>
+          <p:nvSpPr>
+            <p:cNvPr id="164" name="Shape 164"/>
+            <p:cNvSpPr/>
+            <p:nvPr/>
+          </p:nvSpPr>
+          <p:spPr>
+            <a:xfrm>
+              <a:off x="3733800" y="3352800"/>
+              <a:ext cx="685799" cy="0"/>
+            </a:xfrm>
+            <a:prstGeom prst="straightConnector1">
+              <a:avLst/>
+            </a:prstGeom>
+            <a:noFill/>
+            <a:ln w="19050" cap="flat">
+              <a:solidFill>
+                <a:srgbClr val="073763"/>
+              </a:solidFill>
+              <a:prstDash val="solid"/>
+              <a:round/>
+              <a:headEnd type="triangle" w="lg" len="lg"/>
+              <a:tailEnd type="triangle" w="lg" len="lg"/>
+            </a:ln>
+          </p:spPr>
+        </p:sp>
+        <p:sp>
+          <p:nvSpPr>
+            <p:cNvPr id="165" name="Shape 165"/>
+            <p:cNvSpPr/>
+            <p:nvPr/>
+          </p:nvSpPr>
+          <p:spPr>
+            <a:xfrm>
+              <a:off x="6400800" y="3429000"/>
+              <a:ext cx="685799" cy="0"/>
+            </a:xfrm>
+            <a:prstGeom prst="straightConnector1">
+              <a:avLst/>
+            </a:prstGeom>
+            <a:noFill/>
+            <a:ln w="19050" cap="flat">
+              <a:solidFill>
+                <a:srgbClr val="073763"/>
+              </a:solidFill>
+              <a:prstDash val="solid"/>
+              <a:round/>
+              <a:headEnd type="triangle" w="lg" len="lg"/>
+              <a:tailEnd type="triangle" w="lg" len="lg"/>
+            </a:ln>
+          </p:spPr>
+        </p:sp>
+      </p:grpSp>
+    </p:spTree>
+    <p:extLst>
+      <p:ext uri="{BB962C8B-B14F-4D97-AF65-F5344CB8AC3E}">
+        <p14:creationId xmlns:p14="http://schemas.microsoft.com/office/powerpoint/2010/main" val="1656491062"/>
+      </p:ext>
+    </p:extLst>
+  </p:cSld>
+  <p:clrMapOvr>
+    <a:masterClrMapping/>
+  </p:clrMapOvr>
+  <p:transition xmlns:p14="http://schemas.microsoft.com/office/powerpoint/2010/main" spd="slow">
+    <p:cut/>
+  </p:transition>
+</p:sld>
+</file>
+
+<file path=ppt/slides/slide16.xml><?xml version="1.0" encoding="utf-8"?>
+<p:sld xmlns:a="http://schemas.openxmlformats.org/drawingml/2006/main" xmlns:r="http://schemas.openxmlformats.org/officeDocument/2006/relationships" xmlns:p="http://schemas.openxmlformats.org/presentationml/2006/main">
+  <p:cSld>
+    <p:spTree>
+      <p:nvGrpSpPr>
+        <p:cNvPr id="1" name="Shape 169"/>
+        <p:cNvGrpSpPr/>
+        <p:nvPr/>
+      </p:nvGrpSpPr>
+      <p:grpSpPr>
+        <a:xfrm>
+          <a:off x="0" y="0"/>
+          <a:ext cx="0" cy="0"/>
+          <a:chOff x="0" y="0"/>
+          <a:chExt cx="0" cy="0"/>
+        </a:xfrm>
+      </p:grpSpPr>
+      <p:sp>
+        <p:nvSpPr>
+          <p:cNvPr id="170" name="Shape 170"/>
+          <p:cNvSpPr txBox="1">
+            <a:spLocks noGrp="1"/>
+          </p:cNvSpPr>
+          <p:nvPr>
+            <p:ph type="title"/>
+          </p:nvPr>
+        </p:nvSpPr>
+        <p:spPr>
+          <a:xfrm>
+            <a:off x="274322" y="205741"/>
+            <a:ext cx="8663939" cy="668654"/>
+          </a:xfrm>
+          <a:prstGeom prst="rect">
+            <a:avLst/>
+          </a:prstGeom>
+        </p:spPr>
+        <p:txBody>
+          <a:bodyPr lIns="30613" tIns="30613" rIns="30613" bIns="30613" anchor="t" anchorCtr="0">
+            <a:noAutofit/>
+          </a:bodyPr>
+          <a:lstStyle/>
+          <a:p>
+            <a:pPr>
+              <a:lnSpc>
+                <a:spcPct val="100000"/>
+              </a:lnSpc>
+            </a:pPr>
+            <a:r>
+              <a:rPr lang="en-US">
+                <a:solidFill>
+                  <a:srgbClr val="000000"/>
+                </a:solidFill>
+                <a:ea typeface="Arial"/>
+                <a:sym typeface="Arial"/>
+              </a:rPr>
+              <a:t>Example</a:t>
+            </a:r>
+          </a:p>
+        </p:txBody>
+      </p:sp>
+      <p:sp>
+        <p:nvSpPr>
+          <p:cNvPr id="171" name="Shape 171"/>
+          <p:cNvSpPr txBox="1">
+            <a:spLocks noGrp="1"/>
+          </p:cNvSpPr>
+          <p:nvPr>
+            <p:ph type="body" idx="1"/>
+          </p:nvPr>
+        </p:nvSpPr>
+        <p:spPr>
+          <a:xfrm>
+            <a:off x="274322" y="853441"/>
+            <a:ext cx="8663939" cy="3754755"/>
+          </a:xfrm>
+          <a:prstGeom prst="rect">
+            <a:avLst/>
+          </a:prstGeom>
+        </p:spPr>
+        <p:txBody>
+          <a:bodyPr lIns="30613" tIns="30613" rIns="30613" bIns="30613" anchor="t" anchorCtr="0">
+            <a:noAutofit/>
+          </a:bodyPr>
+          <a:lstStyle/>
+          <a:p>
+            <a:pPr>
+              <a:lnSpc>
+                <a:spcPct val="100000"/>
+              </a:lnSpc>
+            </a:pPr>
+            <a:r>
+              <a:rPr lang="en-US" sz="1500" u="sng" dirty="0">
+                <a:solidFill>
+                  <a:srgbClr val="0000FF"/>
+                </a:solidFill>
+                <a:latin typeface="Arial"/>
+                <a:ea typeface="Arial"/>
+                <a:cs typeface="Arial"/>
+                <a:sym typeface="Arial"/>
+                <a:hlinkClick r:id="rId3"/>
+              </a:rPr>
+              <a:t>http://s3.amazonaws.com/wernervogels/public/sosp/sosp-figure1-small.png</a:t>
+            </a:r>
+          </a:p>
+          <a:p>
+            <a:pPr>
+              <a:lnSpc>
+                <a:spcPct val="100000"/>
+              </a:lnSpc>
+            </a:pPr>
+            <a:endParaRPr sz="1500" u="sng" dirty="0">
+              <a:solidFill>
+                <a:srgbClr val="000000"/>
+              </a:solidFill>
+              <a:latin typeface="Arial"/>
+              <a:ea typeface="Arial"/>
+              <a:cs typeface="Arial"/>
+              <a:sym typeface="Arial"/>
+              <a:hlinkClick r:id=""/>
+            </a:endParaRPr>
+          </a:p>
+          <a:p>
+            <a:pPr>
+              <a:lnSpc>
+                <a:spcPct val="100000"/>
+              </a:lnSpc>
+            </a:pPr>
+            <a:endParaRPr sz="1500" u="sng" dirty="0">
+              <a:solidFill>
+                <a:srgbClr val="000000"/>
+              </a:solidFill>
+              <a:latin typeface="Arial"/>
+              <a:ea typeface="Arial"/>
+              <a:cs typeface="Arial"/>
+              <a:sym typeface="Arial"/>
+              <a:hlinkClick r:id=""/>
+            </a:endParaRPr>
+          </a:p>
+          <a:p>
+            <a:pPr marL="306134" indent="-176877">
+              <a:lnSpc>
+                <a:spcPct val="100000"/>
+              </a:lnSpc>
+              <a:buClr>
+                <a:srgbClr val="000000"/>
+              </a:buClr>
+              <a:buFont typeface="Arial"/>
+              <a:buChar char="●"/>
+            </a:pPr>
+            <a:r>
+              <a:rPr lang="en-US" dirty="0">
+                <a:solidFill>
+                  <a:srgbClr val="000000"/>
+                </a:solidFill>
+                <a:latin typeface="Arial"/>
+                <a:ea typeface="Arial"/>
+                <a:cs typeface="Arial"/>
+                <a:sym typeface="Arial"/>
+              </a:rPr>
+              <a:t>Data</a:t>
+            </a:r>
+          </a:p>
+          <a:p>
+            <a:pPr marL="612267" lvl="1" indent="-176877">
+              <a:lnSpc>
+                <a:spcPct val="100000"/>
+              </a:lnSpc>
+              <a:buClr>
+                <a:srgbClr val="000000"/>
+              </a:buClr>
+              <a:buFont typeface="Courier New"/>
+              <a:buChar char="o"/>
+            </a:pPr>
+            <a:r>
+              <a:rPr lang="en-US" dirty="0">
+                <a:solidFill>
+                  <a:srgbClr val="000000"/>
+                </a:solidFill>
+                <a:latin typeface="Arial"/>
+                <a:ea typeface="Arial"/>
+                <a:cs typeface="Arial"/>
+                <a:sym typeface="Arial"/>
+              </a:rPr>
+              <a:t>user data</a:t>
+            </a:r>
+          </a:p>
+          <a:p>
+            <a:pPr marL="612267" lvl="1" indent="-176877">
+              <a:lnSpc>
+                <a:spcPct val="100000"/>
+              </a:lnSpc>
+              <a:buClr>
+                <a:srgbClr val="000000"/>
+              </a:buClr>
+              <a:buFont typeface="Courier New"/>
+              <a:buChar char="o"/>
+            </a:pPr>
+            <a:r>
+              <a:rPr lang="en-US" dirty="0">
+                <a:solidFill>
+                  <a:srgbClr val="000000"/>
+                </a:solidFill>
+                <a:latin typeface="Arial"/>
+                <a:ea typeface="Arial"/>
+                <a:cs typeface="Arial"/>
+                <a:sym typeface="Arial"/>
+              </a:rPr>
+              <a:t>ads</a:t>
+            </a:r>
+          </a:p>
+          <a:p>
+            <a:pPr marL="612267" lvl="1" indent="-176877">
+              <a:lnSpc>
+                <a:spcPct val="100000"/>
+              </a:lnSpc>
+              <a:buClr>
+                <a:srgbClr val="000000"/>
+              </a:buClr>
+              <a:buFont typeface="Courier New"/>
+              <a:buChar char="o"/>
+            </a:pPr>
+            <a:r>
+              <a:rPr lang="en-US" dirty="0">
+                <a:solidFill>
+                  <a:srgbClr val="000000"/>
+                </a:solidFill>
+                <a:latin typeface="Arial"/>
+                <a:ea typeface="Arial"/>
+                <a:cs typeface="Arial"/>
+                <a:sym typeface="Arial"/>
+              </a:rPr>
+              <a:t>images </a:t>
+            </a:r>
+          </a:p>
+          <a:p>
+            <a:pPr marL="306134" indent="-176877">
+              <a:lnSpc>
+                <a:spcPct val="100000"/>
+              </a:lnSpc>
+              <a:buClr>
+                <a:srgbClr val="000000"/>
+              </a:buClr>
+              <a:buFont typeface="Arial"/>
+              <a:buChar char="●"/>
+            </a:pPr>
+            <a:r>
+              <a:rPr lang="en-US" dirty="0">
+                <a:solidFill>
+                  <a:srgbClr val="000000"/>
+                </a:solidFill>
+                <a:latin typeface="Arial"/>
+                <a:ea typeface="Arial"/>
+                <a:cs typeface="Arial"/>
+                <a:sym typeface="Arial"/>
+              </a:rPr>
+              <a:t>Logic </a:t>
+            </a:r>
+          </a:p>
+          <a:p>
+            <a:pPr marL="612267" lvl="1" indent="-176877">
+              <a:lnSpc>
+                <a:spcPct val="100000"/>
+              </a:lnSpc>
+              <a:buClr>
+                <a:srgbClr val="000000"/>
+              </a:buClr>
+              <a:buFont typeface="Courier New"/>
+              <a:buChar char="o"/>
+            </a:pPr>
+            <a:r>
+              <a:rPr lang="en-US" dirty="0">
+                <a:solidFill>
+                  <a:srgbClr val="000000"/>
+                </a:solidFill>
+                <a:latin typeface="Arial"/>
+                <a:ea typeface="Arial"/>
+                <a:cs typeface="Arial"/>
+                <a:sym typeface="Arial"/>
+              </a:rPr>
+              <a:t>filter data</a:t>
+            </a:r>
+          </a:p>
+          <a:p>
+            <a:pPr marL="612267" lvl="1" indent="-176877">
+              <a:lnSpc>
+                <a:spcPct val="100000"/>
+              </a:lnSpc>
+              <a:buClr>
+                <a:srgbClr val="000000"/>
+              </a:buClr>
+              <a:buFont typeface="Courier New"/>
+              <a:buChar char="o"/>
+            </a:pPr>
+            <a:r>
+              <a:rPr lang="en-US" dirty="0">
+                <a:solidFill>
+                  <a:srgbClr val="000000"/>
+                </a:solidFill>
+                <a:latin typeface="Arial"/>
+                <a:ea typeface="Arial"/>
+                <a:cs typeface="Arial"/>
+                <a:sym typeface="Arial"/>
+              </a:rPr>
+              <a:t>prioritize data</a:t>
+            </a:r>
+          </a:p>
+          <a:p>
+            <a:pPr marL="306134" indent="-176877">
+              <a:lnSpc>
+                <a:spcPct val="100000"/>
+              </a:lnSpc>
+              <a:buClr>
+                <a:srgbClr val="000000"/>
+              </a:buClr>
+              <a:buFont typeface="Arial"/>
+              <a:buChar char="●"/>
+            </a:pPr>
+            <a:r>
+              <a:rPr lang="en-US" dirty="0">
+                <a:solidFill>
+                  <a:srgbClr val="000000"/>
+                </a:solidFill>
+                <a:latin typeface="Arial"/>
+                <a:ea typeface="Arial"/>
+                <a:cs typeface="Arial"/>
+                <a:sym typeface="Arial"/>
+              </a:rPr>
+              <a:t>Presentation</a:t>
+            </a:r>
+          </a:p>
+          <a:p>
+            <a:pPr marL="612267" lvl="1" indent="-176877">
+              <a:lnSpc>
+                <a:spcPct val="100000"/>
+              </a:lnSpc>
+              <a:buClr>
+                <a:srgbClr val="000000"/>
+              </a:buClr>
+              <a:buFont typeface="Courier New"/>
+              <a:buChar char="o"/>
+            </a:pPr>
+            <a:r>
+              <a:rPr lang="en-US" dirty="0">
+                <a:solidFill>
+                  <a:srgbClr val="000000"/>
+                </a:solidFill>
+                <a:latin typeface="Arial"/>
+                <a:ea typeface="Arial"/>
+                <a:cs typeface="Arial"/>
+                <a:sym typeface="Arial"/>
+              </a:rPr>
+              <a:t>generate HTML containing all pieces</a:t>
+            </a:r>
+          </a:p>
+        </p:txBody>
+      </p:sp>
+    </p:spTree>
+    <p:extLst>
+      <p:ext uri="{BB962C8B-B14F-4D97-AF65-F5344CB8AC3E}">
+        <p14:creationId xmlns:p14="http://schemas.microsoft.com/office/powerpoint/2010/main" val="1788837480"/>
+      </p:ext>
+    </p:extLst>
+  </p:cSld>
+  <p:clrMapOvr>
+    <a:masterClrMapping/>
+  </p:clrMapOvr>
+  <p:transition xmlns:p14="http://schemas.microsoft.com/office/powerpoint/2010/main" spd="slow">
+    <p:cut/>
+  </p:transition>
+</p:sld>
+</file>
+
+<file path=ppt/slides/slide17.xml><?xml version="1.0" encoding="utf-8"?>
+<p:sld xmlns:a="http://schemas.openxmlformats.org/drawingml/2006/main" xmlns:r="http://schemas.openxmlformats.org/officeDocument/2006/relationships" xmlns:p="http://schemas.openxmlformats.org/presentationml/2006/main">
+  <p:cSld>
+    <p:spTree>
+      <p:nvGrpSpPr>
+        <p:cNvPr id="1" name="Shape 175"/>
+        <p:cNvGrpSpPr/>
+        <p:nvPr/>
+      </p:nvGrpSpPr>
+      <p:grpSpPr>
+        <a:xfrm>
+          <a:off x="0" y="0"/>
+          <a:ext cx="0" cy="0"/>
+          <a:chOff x="0" y="0"/>
+          <a:chExt cx="0" cy="0"/>
+        </a:xfrm>
+      </p:grpSpPr>
+      <p:sp>
+        <p:nvSpPr>
+          <p:cNvPr id="176" name="Shape 176"/>
+          <p:cNvSpPr txBox="1">
+            <a:spLocks noGrp="1"/>
+          </p:cNvSpPr>
+          <p:nvPr>
+            <p:ph type="title"/>
+          </p:nvPr>
+        </p:nvSpPr>
+        <p:spPr>
+          <a:xfrm>
+            <a:off x="274322" y="205741"/>
+            <a:ext cx="8663939" cy="668654"/>
+          </a:xfrm>
+          <a:prstGeom prst="rect">
+            <a:avLst/>
+          </a:prstGeom>
+        </p:spPr>
+        <p:txBody>
+          <a:bodyPr lIns="30613" tIns="30613" rIns="30613" bIns="30613" anchor="t" anchorCtr="0">
+            <a:noAutofit/>
+          </a:bodyPr>
+          <a:lstStyle/>
+          <a:p>
+            <a:pPr>
+              <a:lnSpc>
+                <a:spcPct val="100000"/>
+              </a:lnSpc>
+            </a:pPr>
+            <a:r>
+              <a:rPr lang="en-US">
+                <a:solidFill>
+                  <a:srgbClr val="000000"/>
+                </a:solidFill>
+                <a:ea typeface="Arial"/>
+                <a:sym typeface="Arial"/>
+              </a:rPr>
+              <a:t>MVC</a:t>
+            </a:r>
+          </a:p>
+        </p:txBody>
+      </p:sp>
+      <p:sp>
+        <p:nvSpPr>
+          <p:cNvPr id="177" name="Shape 177"/>
+          <p:cNvSpPr txBox="1">
+            <a:spLocks noGrp="1"/>
+          </p:cNvSpPr>
+          <p:nvPr>
+            <p:ph type="body" idx="1"/>
+          </p:nvPr>
+        </p:nvSpPr>
+        <p:spPr>
+          <a:xfrm>
+            <a:off x="274322" y="1234441"/>
+            <a:ext cx="8663939" cy="3754755"/>
+          </a:xfrm>
+          <a:prstGeom prst="rect">
+            <a:avLst/>
+          </a:prstGeom>
+        </p:spPr>
+        <p:txBody>
+          <a:bodyPr lIns="30613" tIns="30613" rIns="30613" bIns="30613" anchor="t" anchorCtr="0">
+            <a:noAutofit/>
+          </a:bodyPr>
+          <a:lstStyle/>
+          <a:p>
+            <a:pPr marL="306134" indent="-176877">
+              <a:lnSpc>
+                <a:spcPct val="100000"/>
+              </a:lnSpc>
+              <a:buClr>
+                <a:srgbClr val="000000"/>
+              </a:buClr>
+              <a:buFont typeface="Arial"/>
+              <a:buChar char="●"/>
+            </a:pPr>
+            <a:r>
+              <a:rPr lang="en-US" b="0" dirty="0">
+                <a:solidFill>
+                  <a:srgbClr val="000000"/>
+                </a:solidFill>
+                <a:latin typeface="Arial"/>
+                <a:ea typeface="Arial"/>
+                <a:cs typeface="Arial"/>
+                <a:sym typeface="Arial"/>
+              </a:rPr>
+              <a:t>Same idea, more general model</a:t>
+            </a:r>
+          </a:p>
+          <a:p>
+            <a:pPr marL="306134" indent="-176877">
+              <a:lnSpc>
+                <a:spcPct val="100000"/>
+              </a:lnSpc>
+              <a:buClr>
+                <a:srgbClr val="000000"/>
+              </a:buClr>
+              <a:buFont typeface="Arial"/>
+              <a:buChar char="●"/>
+            </a:pPr>
+            <a:r>
+              <a:rPr lang="en-US" b="0" dirty="0">
+                <a:solidFill>
+                  <a:srgbClr val="000000"/>
+                </a:solidFill>
+                <a:latin typeface="Arial"/>
+                <a:ea typeface="Arial"/>
+                <a:cs typeface="Arial"/>
+                <a:sym typeface="Arial"/>
+              </a:rPr>
+              <a:t>Model/View/Controller</a:t>
+            </a:r>
+          </a:p>
+          <a:p>
+            <a:pPr>
+              <a:lnSpc>
+                <a:spcPct val="100000"/>
+              </a:lnSpc>
+            </a:pPr>
+            <a:r>
+              <a:rPr lang="en-US" b="0" dirty="0">
+                <a:solidFill>
+                  <a:srgbClr val="000000"/>
+                </a:solidFill>
+                <a:latin typeface="Arial"/>
+                <a:ea typeface="Arial"/>
+                <a:cs typeface="Arial"/>
+                <a:sym typeface="Arial"/>
+              </a:rPr>
+              <a:t> </a:t>
+            </a:r>
+          </a:p>
+          <a:p>
+            <a:pPr marL="306134" indent="-176877">
+              <a:lnSpc>
+                <a:spcPct val="100000"/>
+              </a:lnSpc>
+              <a:buClr>
+                <a:srgbClr val="000000"/>
+              </a:buClr>
+              <a:buFont typeface="Arial"/>
+              <a:buChar char="●"/>
+            </a:pPr>
+            <a:r>
+              <a:rPr lang="en-US" b="0" dirty="0">
+                <a:solidFill>
+                  <a:srgbClr val="000000"/>
+                </a:solidFill>
+                <a:latin typeface="Arial"/>
+                <a:ea typeface="Arial"/>
+                <a:cs typeface="Arial"/>
+                <a:sym typeface="Arial"/>
+              </a:rPr>
+              <a:t>Model - Stores data</a:t>
+            </a:r>
+          </a:p>
+          <a:p>
+            <a:pPr marL="306134" indent="-176877">
+              <a:lnSpc>
+                <a:spcPct val="100000"/>
+              </a:lnSpc>
+              <a:buClr>
+                <a:srgbClr val="000000"/>
+              </a:buClr>
+              <a:buFont typeface="Arial"/>
+              <a:buChar char="●"/>
+            </a:pPr>
+            <a:r>
+              <a:rPr lang="en-US" b="0" dirty="0">
+                <a:solidFill>
+                  <a:srgbClr val="000000"/>
+                </a:solidFill>
+                <a:latin typeface="Arial"/>
+                <a:ea typeface="Arial"/>
+                <a:cs typeface="Arial"/>
+                <a:sym typeface="Arial"/>
+              </a:rPr>
+              <a:t>View - Presents data</a:t>
+            </a:r>
+          </a:p>
+          <a:p>
+            <a:pPr marL="306134" indent="-176877">
+              <a:lnSpc>
+                <a:spcPct val="100000"/>
+              </a:lnSpc>
+              <a:buClr>
+                <a:srgbClr val="000000"/>
+              </a:buClr>
+              <a:buFont typeface="Arial"/>
+              <a:buChar char="●"/>
+            </a:pPr>
+            <a:r>
+              <a:rPr lang="en-US" b="0" dirty="0">
+                <a:solidFill>
+                  <a:srgbClr val="000000"/>
+                </a:solidFill>
+                <a:latin typeface="Arial"/>
+                <a:ea typeface="Arial"/>
+                <a:cs typeface="Arial"/>
+                <a:sym typeface="Arial"/>
+              </a:rPr>
+              <a:t>Controller - Performs necessary logic</a:t>
+            </a:r>
+          </a:p>
+        </p:txBody>
+      </p:sp>
+    </p:spTree>
+    <p:extLst>
+      <p:ext uri="{BB962C8B-B14F-4D97-AF65-F5344CB8AC3E}">
+        <p14:creationId xmlns:p14="http://schemas.microsoft.com/office/powerpoint/2010/main" val="614337223"/>
+      </p:ext>
+    </p:extLst>
   </p:cSld>
   <p:clrMapOvr>
     <a:masterClrMapping/>
